--- a/doc/02_SlideShare/01.ネタ/２_Reactの基礎/2-3_Reactの基礎知識 ～DOM操作編～.pptx
+++ b/doc/02_SlideShare/01.ネタ/２_Reactの基礎/2-3_Reactの基礎知識 ～DOM操作編～.pptx
@@ -5,13 +5,12 @@
     <p:sldMasterId id="2147483648" r:id="rId1"/>
   </p:sldMasterIdLst>
   <p:notesMasterIdLst>
-    <p:notesMasterId r:id="rId6"/>
+    <p:notesMasterId r:id="rId5"/>
   </p:notesMasterIdLst>
   <p:sldIdLst>
     <p:sldId id="259" r:id="rId2"/>
     <p:sldId id="268" r:id="rId3"/>
     <p:sldId id="269" r:id="rId4"/>
-    <p:sldId id="270" r:id="rId5"/>
   </p:sldIdLst>
   <p:sldSz cx="12192000" cy="6858000"/>
   <p:notesSz cx="6858000" cy="9144000"/>
@@ -1646,7 +1645,7 @@
           </a:ln>
           <a:extLst>
             <a:ext uri="{C572A759-6A51-4108-AA02-DFA0A04FC94B}">
-              <ma14:wrappingTextBoxFlag xmlns="" xmlns:ma14="http://schemas.microsoft.com/office/mac/drawingml/2011/main" val="1"/>
+              <ma14:wrappingTextBoxFlag xmlns:ma14="http://schemas.microsoft.com/office/mac/drawingml/2011/main" xmlns="" val="1"/>
             </a:ext>
           </a:extLst>
         </p:spPr>
@@ -1685,7 +1684,7 @@
           </a:ln>
           <a:extLst>
             <a:ext uri="{C572A759-6A51-4108-AA02-DFA0A04FC94B}">
-              <ma14:wrappingTextBoxFlag xmlns="" xmlns:ma14="http://schemas.microsoft.com/office/mac/drawingml/2011/main" val="1"/>
+              <ma14:wrappingTextBoxFlag xmlns:ma14="http://schemas.microsoft.com/office/mac/drawingml/2011/main" xmlns="" val="1"/>
             </a:ext>
           </a:extLst>
         </p:spPr>
@@ -2701,7 +2700,7 @@
             <a:effectLst/>
             <a:extLst>
               <a:ext uri="{C572A759-6A51-4108-AA02-DFA0A04FC94B}">
-                <ma14:wrappingTextBoxFlag xmlns="" xmlns:ma14="http://schemas.microsoft.com/office/mac/drawingml/2011/main" val="1"/>
+                <ma14:wrappingTextBoxFlag xmlns:ma14="http://schemas.microsoft.com/office/mac/drawingml/2011/main" xmlns="" val="1"/>
               </a:ext>
             </a:extLst>
           </p:spPr>
@@ -2758,7 +2757,7 @@
           </a:ln>
           <a:extLst>
             <a:ext uri="{C572A759-6A51-4108-AA02-DFA0A04FC94B}">
-              <ma14:wrappingTextBoxFlag xmlns="" xmlns:ma14="http://schemas.microsoft.com/office/mac/drawingml/2011/main" val="1"/>
+              <ma14:wrappingTextBoxFlag xmlns:ma14="http://schemas.microsoft.com/office/mac/drawingml/2011/main" xmlns="" val="1"/>
             </a:ext>
           </a:extLst>
         </p:spPr>
@@ -2799,7 +2798,7 @@
           </a:ln>
           <a:extLst>
             <a:ext uri="{C572A759-6A51-4108-AA02-DFA0A04FC94B}">
-              <ma14:wrappingTextBoxFlag xmlns="" xmlns:ma14="http://schemas.microsoft.com/office/mac/drawingml/2011/main" val="1"/>
+              <ma14:wrappingTextBoxFlag xmlns:ma14="http://schemas.microsoft.com/office/mac/drawingml/2011/main" xmlns="" val="1"/>
             </a:ext>
           </a:extLst>
         </p:spPr>
@@ -2874,7 +2873,7 @@
           </a:ln>
           <a:extLst>
             <a:ext uri="{C572A759-6A51-4108-AA02-DFA0A04FC94B}">
-              <ma14:wrappingTextBoxFlag xmlns="" xmlns:ma14="http://schemas.microsoft.com/office/mac/drawingml/2011/main" val="1"/>
+              <ma14:wrappingTextBoxFlag xmlns:ma14="http://schemas.microsoft.com/office/mac/drawingml/2011/main" xmlns="" val="1"/>
             </a:ext>
           </a:extLst>
         </p:spPr>
@@ -3063,7 +3062,7 @@
               <a:effectLst/>
               <a:extLst>
                 <a:ext uri="{C572A759-6A51-4108-AA02-DFA0A04FC94B}">
-                  <ma14:wrappingTextBoxFlag xmlns="" xmlns:ma14="http://schemas.microsoft.com/office/mac/drawingml/2011/main" val="1"/>
+                  <ma14:wrappingTextBoxFlag xmlns:ma14="http://schemas.microsoft.com/office/mac/drawingml/2011/main" xmlns="" val="1"/>
                 </a:ext>
               </a:extLst>
             </p:spPr>
@@ -3161,7 +3160,7 @@
               <a:effectLst/>
               <a:extLst>
                 <a:ext uri="{C572A759-6A51-4108-AA02-DFA0A04FC94B}">
-                  <ma14:wrappingTextBoxFlag xmlns="" xmlns:ma14="http://schemas.microsoft.com/office/mac/drawingml/2011/main" val="1"/>
+                  <ma14:wrappingTextBoxFlag xmlns:ma14="http://schemas.microsoft.com/office/mac/drawingml/2011/main" xmlns="" val="1"/>
                 </a:ext>
               </a:extLst>
             </p:spPr>
@@ -3253,7 +3252,7 @@
               <a:effectLst/>
               <a:extLst>
                 <a:ext uri="{C572A759-6A51-4108-AA02-DFA0A04FC94B}">
-                  <ma14:wrappingTextBoxFlag xmlns="" xmlns:ma14="http://schemas.microsoft.com/office/mac/drawingml/2011/main" val="1"/>
+                  <ma14:wrappingTextBoxFlag xmlns:ma14="http://schemas.microsoft.com/office/mac/drawingml/2011/main" xmlns="" val="1"/>
                 </a:ext>
               </a:extLst>
             </p:spPr>
@@ -3345,7 +3344,7 @@
               <a:effectLst/>
               <a:extLst>
                 <a:ext uri="{C572A759-6A51-4108-AA02-DFA0A04FC94B}">
-                  <ma14:wrappingTextBoxFlag xmlns="" xmlns:ma14="http://schemas.microsoft.com/office/mac/drawingml/2011/main" val="1"/>
+                  <ma14:wrappingTextBoxFlag xmlns:ma14="http://schemas.microsoft.com/office/mac/drawingml/2011/main" xmlns="" val="1"/>
                 </a:ext>
               </a:extLst>
             </p:spPr>
@@ -3471,7 +3470,7 @@
               <a:effectLst/>
               <a:extLst>
                 <a:ext uri="{C572A759-6A51-4108-AA02-DFA0A04FC94B}">
-                  <ma14:wrappingTextBoxFlag xmlns="" xmlns:ma14="http://schemas.microsoft.com/office/mac/drawingml/2011/main" val="1"/>
+                  <ma14:wrappingTextBoxFlag xmlns:ma14="http://schemas.microsoft.com/office/mac/drawingml/2011/main" xmlns="" val="1"/>
                 </a:ext>
               </a:extLst>
             </p:spPr>
@@ -3697,7 +3696,7 @@
               <a:effectLst/>
               <a:extLst>
                 <a:ext uri="{C572A759-6A51-4108-AA02-DFA0A04FC94B}">
-                  <ma14:wrappingTextBoxFlag xmlns="" xmlns:ma14="http://schemas.microsoft.com/office/mac/drawingml/2011/main" val="1"/>
+                  <ma14:wrappingTextBoxFlag xmlns:ma14="http://schemas.microsoft.com/office/mac/drawingml/2011/main" xmlns="" val="1"/>
                 </a:ext>
               </a:extLst>
             </p:spPr>
@@ -3789,7 +3788,7 @@
               <a:effectLst/>
               <a:extLst>
                 <a:ext uri="{C572A759-6A51-4108-AA02-DFA0A04FC94B}">
-                  <ma14:wrappingTextBoxFlag xmlns="" xmlns:ma14="http://schemas.microsoft.com/office/mac/drawingml/2011/main" val="1"/>
+                  <ma14:wrappingTextBoxFlag xmlns:ma14="http://schemas.microsoft.com/office/mac/drawingml/2011/main" xmlns="" val="1"/>
                 </a:ext>
               </a:extLst>
             </p:spPr>
@@ -3828,7 +3827,7 @@
           </a:ln>
           <a:extLst>
             <a:ext uri="{C572A759-6A51-4108-AA02-DFA0A04FC94B}">
-              <ma14:wrappingTextBoxFlag xmlns="" xmlns:ma14="http://schemas.microsoft.com/office/mac/drawingml/2011/main" val="1"/>
+              <ma14:wrappingTextBoxFlag xmlns:ma14="http://schemas.microsoft.com/office/mac/drawingml/2011/main" xmlns="" val="1"/>
             </a:ext>
           </a:extLst>
         </p:spPr>
@@ -3918,7 +3917,7 @@
           </a:ln>
           <a:extLst>
             <a:ext uri="{C572A759-6A51-4108-AA02-DFA0A04FC94B}">
-              <ma14:wrappingTextBoxFlag xmlns="" xmlns:ma14="http://schemas.microsoft.com/office/mac/drawingml/2011/main" val="1"/>
+              <ma14:wrappingTextBoxFlag xmlns:ma14="http://schemas.microsoft.com/office/mac/drawingml/2011/main" xmlns="" val="1"/>
             </a:ext>
           </a:extLst>
         </p:spPr>
@@ -4020,7 +4019,7 @@
             <a:effectLst/>
             <a:extLst>
               <a:ext uri="{C572A759-6A51-4108-AA02-DFA0A04FC94B}">
-                <ma14:wrappingTextBoxFlag xmlns="" xmlns:ma14="http://schemas.microsoft.com/office/mac/drawingml/2011/main" val="1"/>
+                <ma14:wrappingTextBoxFlag xmlns:ma14="http://schemas.microsoft.com/office/mac/drawingml/2011/main" xmlns="" val="1"/>
               </a:ext>
             </a:extLst>
           </p:spPr>
@@ -4123,7 +4122,7 @@
           </a:ln>
           <a:extLst>
             <a:ext uri="{C572A759-6A51-4108-AA02-DFA0A04FC94B}">
-              <ma14:wrappingTextBoxFlag xmlns="" xmlns:ma14="http://schemas.microsoft.com/office/mac/drawingml/2011/main" val="1"/>
+              <ma14:wrappingTextBoxFlag xmlns:ma14="http://schemas.microsoft.com/office/mac/drawingml/2011/main" xmlns="" val="1"/>
             </a:ext>
           </a:extLst>
         </p:spPr>
@@ -4363,7 +4362,7 @@
             <a:effectLst/>
             <a:extLst>
               <a:ext uri="{C572A759-6A51-4108-AA02-DFA0A04FC94B}">
-                <ma14:wrappingTextBoxFlag xmlns="" xmlns:ma14="http://schemas.microsoft.com/office/mac/drawingml/2011/main" val="1"/>
+                <ma14:wrappingTextBoxFlag xmlns:ma14="http://schemas.microsoft.com/office/mac/drawingml/2011/main" xmlns="" val="1"/>
               </a:ext>
             </a:extLst>
           </p:spPr>
@@ -4408,7 +4407,7 @@
           </a:ln>
           <a:extLst>
             <a:ext uri="{C572A759-6A51-4108-AA02-DFA0A04FC94B}">
-              <ma14:wrappingTextBoxFlag xmlns="" xmlns:ma14="http://schemas.microsoft.com/office/mac/drawingml/2011/main" val="1"/>
+              <ma14:wrappingTextBoxFlag xmlns:ma14="http://schemas.microsoft.com/office/mac/drawingml/2011/main" xmlns="" val="1"/>
             </a:ext>
           </a:extLst>
         </p:spPr>
@@ -4550,7 +4549,7 @@
           </a:ln>
           <a:extLst>
             <a:ext uri="{C572A759-6A51-4108-AA02-DFA0A04FC94B}">
-              <ma14:wrappingTextBoxFlag xmlns="" xmlns:ma14="http://schemas.microsoft.com/office/mac/drawingml/2011/main" val="1"/>
+              <ma14:wrappingTextBoxFlag xmlns:ma14="http://schemas.microsoft.com/office/mac/drawingml/2011/main" xmlns="" val="1"/>
             </a:ext>
           </a:extLst>
         </p:spPr>
@@ -4585,7 +4584,7 @@
           </a:ln>
           <a:extLst>
             <a:ext uri="{C572A759-6A51-4108-AA02-DFA0A04FC94B}">
-              <ma14:wrappingTextBoxFlag xmlns="" xmlns:ma14="http://schemas.microsoft.com/office/mac/drawingml/2011/main" val="1"/>
+              <ma14:wrappingTextBoxFlag xmlns:ma14="http://schemas.microsoft.com/office/mac/drawingml/2011/main" xmlns="" val="1"/>
             </a:ext>
           </a:extLst>
         </p:spPr>
@@ -6362,7 +6361,7 @@
             <a:effectLst/>
             <a:extLst>
               <a:ext uri="{C572A759-6A51-4108-AA02-DFA0A04FC94B}">
-                <ma14:wrappingTextBoxFlag xmlns="" xmlns:ma14="http://schemas.microsoft.com/office/mac/drawingml/2011/main" val="1"/>
+                <ma14:wrappingTextBoxFlag xmlns:ma14="http://schemas.microsoft.com/office/mac/drawingml/2011/main" xmlns="" val="1"/>
               </a:ext>
             </a:extLst>
           </p:spPr>
@@ -6401,264 +6400,6 @@
         </p:sp>
       </p:grpSp>
     </p:spTree>
-  </p:cSld>
-  <p:clrMapOvr>
-    <a:masterClrMapping/>
-  </p:clrMapOvr>
-  <p:transition spd="slow"/>
-</p:sld>
-</file>
-
-<file path=ppt/slides/slide4.xml><?xml version="1.0" encoding="utf-8"?>
-<p:sld xmlns:a="http://schemas.openxmlformats.org/drawingml/2006/main" xmlns:r="http://schemas.openxmlformats.org/officeDocument/2006/relationships" xmlns:p="http://schemas.openxmlformats.org/presentationml/2006/main">
-  <p:cSld>
-    <p:spTree>
-      <p:nvGrpSpPr>
-        <p:cNvPr id="1" name=""/>
-        <p:cNvGrpSpPr/>
-        <p:nvPr/>
-      </p:nvGrpSpPr>
-      <p:grpSpPr>
-        <a:xfrm>
-          <a:off x="0" y="0"/>
-          <a:ext cx="0" cy="0"/>
-          <a:chOff x="0" y="0"/>
-          <a:chExt cx="0" cy="0"/>
-        </a:xfrm>
-      </p:grpSpPr>
-      <p:sp>
-        <p:nvSpPr>
-          <p:cNvPr id="346" name="Shape 346"/>
-          <p:cNvSpPr>
-            <a:spLocks noGrp="1"/>
-          </p:cNvSpPr>
-          <p:nvPr>
-            <p:ph type="title"/>
-          </p:nvPr>
-        </p:nvSpPr>
-        <p:spPr>
-          <a:xfrm>
-            <a:off x="555218" y="284176"/>
-            <a:ext cx="9784082" cy="915974"/>
-          </a:xfrm>
-          <a:prstGeom prst="rect">
-            <a:avLst/>
-          </a:prstGeom>
-        </p:spPr>
-        <p:txBody>
-          <a:bodyPr/>
-          <a:lstStyle/>
-          <a:p>
-            <a:r>
-              <a:t>VirtualDOM - ReactによるVirtualDOMの利用</a:t>
-            </a:r>
-          </a:p>
-        </p:txBody>
-      </p:sp>
-      <p:grpSp>
-        <p:nvGrpSpPr>
-          <p:cNvPr id="349" name="Group 349"/>
-          <p:cNvGrpSpPr/>
-          <p:nvPr/>
-        </p:nvGrpSpPr>
-        <p:grpSpPr>
-          <a:xfrm>
-            <a:off x="537632" y="1164631"/>
-            <a:ext cx="11164934" cy="871419"/>
-            <a:chOff x="-1" y="0"/>
-            <a:chExt cx="11164932" cy="871417"/>
-          </a:xfrm>
-        </p:grpSpPr>
-        <p:sp>
-          <p:nvSpPr>
-            <p:cNvPr id="347" name="Shape 347"/>
-            <p:cNvSpPr/>
-            <p:nvPr/>
-          </p:nvSpPr>
-          <p:spPr>
-            <a:xfrm>
-              <a:off x="-1" y="0"/>
-              <a:ext cx="11164932" cy="871417"/>
-            </a:xfrm>
-            <a:prstGeom prst="rect">
-              <a:avLst/>
-            </a:prstGeom>
-            <a:solidFill>
-              <a:srgbClr val="DEEBF7"/>
-            </a:solidFill>
-            <a:ln w="9525" cap="flat">
-              <a:solidFill>
-                <a:schemeClr val="accent1"/>
-              </a:solidFill>
-              <a:prstDash val="solid"/>
-              <a:round/>
-            </a:ln>
-            <a:effectLst/>
-          </p:spPr>
-          <p:txBody>
-            <a:bodyPr wrap="square" lIns="45718" tIns="45718" rIns="45718" bIns="45718" numCol="1" anchor="ctr">
-              <a:noAutofit/>
-            </a:bodyPr>
-            <a:lstStyle/>
-            <a:p>
-              <a:pPr>
-                <a:lnSpc>
-                  <a:spcPct val="90000"/>
-                </a:lnSpc>
-                <a:spcBef>
-                  <a:spcPts val="1000"/>
-                </a:spcBef>
-                <a:defRPr sz="2000"/>
-              </a:pPr>
-              <a:r>
-                <a:rPr lang="en-US" altLang="ja-JP" dirty="0" err="1"/>
-                <a:t>ReactDOM.render</a:t>
-              </a:r>
-              <a:r>
-                <a:rPr lang="ja-JP" altLang="en-US" dirty="0"/>
-                <a:t>を使うことで</a:t>
-              </a:r>
-              <a:r>
-                <a:rPr lang="en-US" altLang="ja-JP" dirty="0"/>
-                <a:t>HTML</a:t>
-              </a:r>
-              <a:r>
-                <a:rPr lang="ja-JP" altLang="en-US" dirty="0"/>
-                <a:t>の決められた箇所に</a:t>
-              </a:r>
-              <a:r>
-                <a:rPr lang="en-US" altLang="ja-JP" dirty="0"/>
-                <a:t>DOM</a:t>
-              </a:r>
-              <a:r>
-                <a:rPr lang="ja-JP" altLang="en-US" dirty="0"/>
-                <a:t>ツリーを出力できます。 </a:t>
-              </a:r>
-            </a:p>
-          </p:txBody>
-        </p:sp>
-        <p:sp>
-          <p:nvSpPr>
-            <p:cNvPr id="348" name="Shape 348"/>
-            <p:cNvSpPr/>
-            <p:nvPr/>
-          </p:nvSpPr>
-          <p:spPr>
-            <a:xfrm>
-              <a:off x="-1" y="264893"/>
-              <a:ext cx="11164932" cy="341627"/>
-            </a:xfrm>
-            <a:prstGeom prst="rect">
-              <a:avLst/>
-            </a:prstGeom>
-            <a:noFill/>
-            <a:ln w="12700" cap="flat">
-              <a:noFill/>
-              <a:miter lim="400000"/>
-            </a:ln>
-            <a:effectLst/>
-            <a:extLst>
-              <a:ext uri="{C572A759-6A51-4108-AA02-DFA0A04FC94B}">
-                <ma14:wrappingTextBoxFlag xmlns="" xmlns:ma14="http://schemas.microsoft.com/office/mac/drawingml/2011/main" val="1"/>
-              </a:ext>
-            </a:extLst>
-          </p:spPr>
-          <p:txBody>
-            <a:bodyPr wrap="square" lIns="45718" tIns="45718" rIns="45718" bIns="45718" numCol="1" anchor="ctr">
-              <a:spAutoFit/>
-            </a:bodyPr>
-            <a:lstStyle>
-              <a:lvl1pPr>
-                <a:lnSpc>
-                  <a:spcPct val="90000"/>
-                </a:lnSpc>
-                <a:spcBef>
-                  <a:spcPts val="1000"/>
-                </a:spcBef>
-              </a:lvl1pPr>
-            </a:lstStyle>
-            <a:p>
-              <a:endParaRPr dirty="0"/>
-            </a:p>
-          </p:txBody>
-        </p:sp>
-      </p:grpSp>
-      <p:pic>
-        <p:nvPicPr>
-          <p:cNvPr id="3" name="図 2"/>
-          <p:cNvPicPr>
-            <a:picLocks noChangeAspect="1"/>
-          </p:cNvPicPr>
-          <p:nvPr/>
-        </p:nvPicPr>
-        <p:blipFill>
-          <a:blip r:embed="rId2"/>
-          <a:stretch>
-            <a:fillRect/>
-          </a:stretch>
-        </p:blipFill>
-        <p:spPr>
-          <a:xfrm>
-            <a:off x="555218" y="2300944"/>
-            <a:ext cx="5140792" cy="1820032"/>
-          </a:xfrm>
-          <a:prstGeom prst="rect">
-            <a:avLst/>
-          </a:prstGeom>
-        </p:spPr>
-      </p:pic>
-      <p:sp>
-        <p:nvSpPr>
-          <p:cNvPr id="63" name="フローチャート: 処理 62"/>
-          <p:cNvSpPr/>
-          <p:nvPr/>
-        </p:nvSpPr>
-        <p:spPr>
-          <a:xfrm>
-            <a:off x="1662129" y="3598106"/>
-            <a:ext cx="3284074" cy="318351"/>
-          </a:xfrm>
-          <a:prstGeom prst="flowChartProcess">
-            <a:avLst/>
-          </a:prstGeom>
-          <a:noFill/>
-          <a:ln w="19050">
-            <a:solidFill>
-              <a:srgbClr val="FF5050"/>
-            </a:solidFill>
-          </a:ln>
-        </p:spPr>
-        <p:style>
-          <a:lnRef idx="2">
-            <a:schemeClr val="accent1">
-              <a:shade val="50000"/>
-            </a:schemeClr>
-          </a:lnRef>
-          <a:fillRef idx="1">
-            <a:schemeClr val="accent1"/>
-          </a:fillRef>
-          <a:effectRef idx="0">
-            <a:schemeClr val="accent1"/>
-          </a:effectRef>
-          <a:fontRef idx="minor">
-            <a:schemeClr val="lt1"/>
-          </a:fontRef>
-        </p:style>
-        <p:txBody>
-          <a:bodyPr rtlCol="0" anchor="ctr"/>
-          <a:lstStyle/>
-          <a:p>
-            <a:pPr algn="ctr"/>
-            <a:endParaRPr kumimoji="1" lang="ja-JP" altLang="en-US"/>
-          </a:p>
-        </p:txBody>
-      </p:sp>
-    </p:spTree>
-    <p:extLst>
-      <p:ext uri="{BB962C8B-B14F-4D97-AF65-F5344CB8AC3E}">
-        <p14:creationId xmlns:p14="http://schemas.microsoft.com/office/powerpoint/2010/main" val="1149415569"/>
-      </p:ext>
-    </p:extLst>
   </p:cSld>
   <p:clrMapOvr>
     <a:masterClrMapping/>

--- a/doc/02_SlideShare/01.ネタ/２_Reactの基礎/2-3_Reactの基礎知識 ～DOM操作編～.pptx
+++ b/doc/02_SlideShare/01.ネタ/２_Reactの基礎/2-3_Reactの基礎知識 ～DOM操作編～.pptx
@@ -1648,7 +1648,7 @@
           </a:ln>
           <a:extLst>
             <a:ext uri="{C572A759-6A51-4108-AA02-DFA0A04FC94B}">
-              <ma14:wrappingTextBoxFlag xmlns:ma14="http://schemas.microsoft.com/office/mac/drawingml/2011/main" xmlns="" val="1"/>
+              <ma14:wrappingTextBoxFlag xmlns="" xmlns:ma14="http://schemas.microsoft.com/office/mac/drawingml/2011/main" val="1"/>
             </a:ext>
           </a:extLst>
         </p:spPr>
@@ -1687,7 +1687,7 @@
           </a:ln>
           <a:extLst>
             <a:ext uri="{C572A759-6A51-4108-AA02-DFA0A04FC94B}">
-              <ma14:wrappingTextBoxFlag xmlns:ma14="http://schemas.microsoft.com/office/mac/drawingml/2011/main" xmlns="" val="1"/>
+              <ma14:wrappingTextBoxFlag xmlns="" xmlns:ma14="http://schemas.microsoft.com/office/mac/drawingml/2011/main" val="1"/>
             </a:ext>
           </a:extLst>
         </p:spPr>
@@ -2800,7 +2800,7 @@
             <a:effectLst/>
             <a:extLst>
               <a:ext uri="{C572A759-6A51-4108-AA02-DFA0A04FC94B}">
-                <ma14:wrappingTextBoxFlag xmlns:ma14="http://schemas.microsoft.com/office/mac/drawingml/2011/main" xmlns="" val="1"/>
+                <ma14:wrappingTextBoxFlag xmlns="" xmlns:ma14="http://schemas.microsoft.com/office/mac/drawingml/2011/main" val="1"/>
               </a:ext>
             </a:extLst>
           </p:spPr>
@@ -3010,7 +3010,7 @@
           </a:ln>
           <a:extLst>
             <a:ext uri="{C572A759-6A51-4108-AA02-DFA0A04FC94B}">
-              <ma14:wrappingTextBoxFlag xmlns:ma14="http://schemas.microsoft.com/office/mac/drawingml/2011/main" xmlns="" val="1"/>
+              <ma14:wrappingTextBoxFlag xmlns="" xmlns:ma14="http://schemas.microsoft.com/office/mac/drawingml/2011/main" val="1"/>
             </a:ext>
           </a:extLst>
         </p:spPr>
@@ -3468,7 +3468,7 @@
           </a:ln>
           <a:extLst>
             <a:ext uri="{C572A759-6A51-4108-AA02-DFA0A04FC94B}">
-              <ma14:wrappingTextBoxFlag xmlns="" xmlns:ma14="http://schemas.microsoft.com/office/mac/drawingml/2011/main" val="1"/>
+              <ma14:wrappingTextBoxFlag xmlns:ma14="http://schemas.microsoft.com/office/mac/drawingml/2011/main" xmlns="" val="1"/>
             </a:ext>
           </a:extLst>
         </p:spPr>
@@ -3510,6 +3510,7 @@
           <a:solidFill>
             <a:srgbClr val="3399FF"/>
           </a:solidFill>
+          <a:ln w="12700"/>
         </p:spPr>
         <p:style>
           <a:lnRef idx="2">
@@ -5015,7 +5016,7 @@
           </a:ln>
           <a:extLst>
             <a:ext uri="{C572A759-6A51-4108-AA02-DFA0A04FC94B}">
-              <ma14:wrappingTextBoxFlag xmlns="" xmlns:ma14="http://schemas.microsoft.com/office/mac/drawingml/2011/main" val="1"/>
+              <ma14:wrappingTextBoxFlag xmlns:ma14="http://schemas.microsoft.com/office/mac/drawingml/2011/main" xmlns="" val="1"/>
             </a:ext>
           </a:extLst>
         </p:spPr>
@@ -5071,7 +5072,7 @@
           </a:ln>
           <a:extLst>
             <a:ext uri="{C572A759-6A51-4108-AA02-DFA0A04FC94B}">
-              <ma14:wrappingTextBoxFlag xmlns="" xmlns:ma14="http://schemas.microsoft.com/office/mac/drawingml/2011/main" val="1"/>
+              <ma14:wrappingTextBoxFlag xmlns:ma14="http://schemas.microsoft.com/office/mac/drawingml/2011/main" xmlns="" val="1"/>
             </a:ext>
           </a:extLst>
         </p:spPr>
@@ -5120,7 +5121,7 @@
           </a:ln>
           <a:extLst>
             <a:ext uri="{C572A759-6A51-4108-AA02-DFA0A04FC94B}">
-              <ma14:wrappingTextBoxFlag xmlns="" xmlns:ma14="http://schemas.microsoft.com/office/mac/drawingml/2011/main" val="1"/>
+              <ma14:wrappingTextBoxFlag xmlns:ma14="http://schemas.microsoft.com/office/mac/drawingml/2011/main" xmlns="" val="1"/>
             </a:ext>
           </a:extLst>
         </p:spPr>
@@ -5168,7 +5169,7 @@
           </a:ln>
           <a:extLst>
             <a:ext uri="{C572A759-6A51-4108-AA02-DFA0A04FC94B}">
-              <ma14:wrappingTextBoxFlag xmlns="" xmlns:ma14="http://schemas.microsoft.com/office/mac/drawingml/2011/main" val="1"/>
+              <ma14:wrappingTextBoxFlag xmlns:ma14="http://schemas.microsoft.com/office/mac/drawingml/2011/main" xmlns="" val="1"/>
             </a:ext>
           </a:extLst>
         </p:spPr>
@@ -5280,7 +5281,7 @@
           </a:ln>
           <a:extLst>
             <a:ext uri="{C572A759-6A51-4108-AA02-DFA0A04FC94B}">
-              <ma14:wrappingTextBoxFlag xmlns="" xmlns:ma14="http://schemas.microsoft.com/office/mac/drawingml/2011/main" val="1"/>
+              <ma14:wrappingTextBoxFlag xmlns:ma14="http://schemas.microsoft.com/office/mac/drawingml/2011/main" xmlns="" val="1"/>
             </a:ext>
           </a:extLst>
         </p:spPr>
@@ -5329,6 +5330,7 @@
           <a:solidFill>
             <a:srgbClr val="3399FF"/>
           </a:solidFill>
+          <a:ln w="12700"/>
         </p:spPr>
         <p:style>
           <a:lnRef idx="2">
@@ -5605,7 +5607,7 @@
             <a:effectLst/>
             <a:extLst>
               <a:ext uri="{C572A759-6A51-4108-AA02-DFA0A04FC94B}">
-                <ma14:wrappingTextBoxFlag xmlns:ma14="http://schemas.microsoft.com/office/mac/drawingml/2011/main" xmlns="" val="1"/>
+                <ma14:wrappingTextBoxFlag xmlns="" xmlns:ma14="http://schemas.microsoft.com/office/mac/drawingml/2011/main" val="1"/>
               </a:ext>
             </a:extLst>
           </p:spPr>
@@ -6336,7 +6338,7 @@
           <a:effectLst/>
           <a:extLst>
             <a:ext uri="{C572A759-6A51-4108-AA02-DFA0A04FC94B}">
-              <ma14:wrappingTextBoxFlag xmlns:ma14="http://schemas.microsoft.com/office/mac/drawingml/2011/main" xmlns="" val="1"/>
+              <ma14:wrappingTextBoxFlag xmlns="" xmlns:ma14="http://schemas.microsoft.com/office/mac/drawingml/2011/main" val="1"/>
             </a:ext>
           </a:extLst>
         </p:spPr>
@@ -6488,7 +6490,7 @@
             <a:effectLst/>
             <a:extLst>
               <a:ext uri="{C572A759-6A51-4108-AA02-DFA0A04FC94B}">
-                <ma14:wrappingTextBoxFlag xmlns:ma14="http://schemas.microsoft.com/office/mac/drawingml/2011/main" xmlns="" val="1"/>
+                <ma14:wrappingTextBoxFlag xmlns="" xmlns:ma14="http://schemas.microsoft.com/office/mac/drawingml/2011/main" val="1"/>
               </a:ext>
             </a:extLst>
           </p:spPr>
@@ -6750,6 +6752,7 @@
           <a:solidFill>
             <a:srgbClr val="3399FF"/>
           </a:solidFill>
+          <a:ln w="12700"/>
         </p:spPr>
         <p:style>
           <a:lnRef idx="2">
@@ -7204,6 +7207,7 @@
           <a:solidFill>
             <a:srgbClr val="3399FF"/>
           </a:solidFill>
+          <a:ln w="12700"/>
         </p:spPr>
         <p:style>
           <a:lnRef idx="2">
@@ -7250,6 +7254,7 @@
           <a:solidFill>
             <a:srgbClr val="3399FF"/>
           </a:solidFill>
+          <a:ln w="12700"/>
         </p:spPr>
         <p:style>
           <a:lnRef idx="2">
@@ -7296,6 +7301,7 @@
           <a:solidFill>
             <a:srgbClr val="3399FF"/>
           </a:solidFill>
+          <a:ln w="12700"/>
         </p:spPr>
         <p:style>
           <a:lnRef idx="2">
@@ -7342,6 +7348,7 @@
           <a:solidFill>
             <a:srgbClr val="3399FF"/>
           </a:solidFill>
+          <a:ln w="12700"/>
         </p:spPr>
         <p:style>
           <a:lnRef idx="2">
@@ -9395,6 +9402,7 @@
           <a:solidFill>
             <a:srgbClr val="3399FF"/>
           </a:solidFill>
+          <a:ln w="12700"/>
         </p:spPr>
         <p:style>
           <a:lnRef idx="2">
@@ -9565,6 +9573,7 @@
           <a:solidFill>
             <a:srgbClr val="3399FF"/>
           </a:solidFill>
+          <a:ln w="12700"/>
         </p:spPr>
         <p:style>
           <a:lnRef idx="2">

--- a/doc/02_SlideShare/01.ネタ/２_Reactの基礎/2-3_Reactの基礎知識 ～DOM操作編～.pptx
+++ b/doc/02_SlideShare/01.ネタ/２_Reactの基礎/2-3_Reactの基礎知識 ～DOM操作編～.pptx
@@ -1648,7 +1648,7 @@
           </a:ln>
           <a:extLst>
             <a:ext uri="{C572A759-6A51-4108-AA02-DFA0A04FC94B}">
-              <ma14:wrappingTextBoxFlag xmlns="" xmlns:ma14="http://schemas.microsoft.com/office/mac/drawingml/2011/main" val="1"/>
+              <ma14:wrappingTextBoxFlag xmlns:ma14="http://schemas.microsoft.com/office/mac/drawingml/2011/main" xmlns="" val="1"/>
             </a:ext>
           </a:extLst>
         </p:spPr>
@@ -1687,7 +1687,7 @@
           </a:ln>
           <a:extLst>
             <a:ext uri="{C572A759-6A51-4108-AA02-DFA0A04FC94B}">
-              <ma14:wrappingTextBoxFlag xmlns="" xmlns:ma14="http://schemas.microsoft.com/office/mac/drawingml/2011/main" val="1"/>
+              <ma14:wrappingTextBoxFlag xmlns:ma14="http://schemas.microsoft.com/office/mac/drawingml/2011/main" xmlns="" val="1"/>
             </a:ext>
           </a:extLst>
         </p:spPr>
@@ -2727,10 +2727,10 @@
         </p:nvGrpSpPr>
         <p:grpSpPr>
           <a:xfrm>
-            <a:off x="440919" y="1157656"/>
-            <a:ext cx="11340775" cy="885367"/>
-            <a:chOff x="-26029" y="-6975"/>
-            <a:chExt cx="11190960" cy="885365"/>
+            <a:off x="440919" y="1164631"/>
+            <a:ext cx="11340775" cy="871419"/>
+            <a:chOff x="-26029" y="0"/>
+            <a:chExt cx="11190960" cy="871417"/>
           </a:xfrm>
         </p:grpSpPr>
         <p:sp>
@@ -2774,7 +2774,7 @@
                 </a:spcBef>
                 <a:defRPr sz="2000"/>
               </a:pPr>
-              <a:endParaRPr/>
+              <a:endParaRPr sz="2000"/>
             </a:p>
           </p:txBody>
         </p:sp>
@@ -2786,8 +2786,8 @@
           </p:nvSpPr>
           <p:spPr>
             <a:xfrm>
-              <a:off x="-26029" y="-6975"/>
-              <a:ext cx="11164932" cy="885365"/>
+              <a:off x="-26029" y="48425"/>
+              <a:ext cx="11164932" cy="774565"/>
             </a:xfrm>
             <a:prstGeom prst="rect">
               <a:avLst/>
@@ -2800,7 +2800,7 @@
             <a:effectLst/>
             <a:extLst>
               <a:ext uri="{C572A759-6A51-4108-AA02-DFA0A04FC94B}">
-                <ma14:wrappingTextBoxFlag xmlns="" xmlns:ma14="http://schemas.microsoft.com/office/mac/drawingml/2011/main" val="1"/>
+                <ma14:wrappingTextBoxFlag xmlns:ma14="http://schemas.microsoft.com/office/mac/drawingml/2011/main" xmlns="" val="1"/>
               </a:ext>
             </a:extLst>
           </p:spPr>
@@ -2825,7 +2825,7 @@
                 </a:defRPr>
               </a:pPr>
               <a:r>
-                <a:rPr kumimoji="1" sz="2400" kern="1200" dirty="0" smtClean="0">
+                <a:rPr kumimoji="1" sz="2000" kern="1200" dirty="0" smtClean="0">
                   <a:solidFill>
                     <a:schemeClr val="tx1"/>
                   </a:solidFill>
@@ -2835,7 +2835,7 @@
                 <a:t>DOMとは</a:t>
               </a:r>
               <a:r>
-                <a:rPr kumimoji="1" lang="ja-JP" altLang="en-US" sz="2400" kern="1200" dirty="0" smtClean="0">
+                <a:rPr kumimoji="1" lang="ja-JP" altLang="en-US" sz="2000" kern="1200" dirty="0" smtClean="0">
                   <a:solidFill>
                     <a:schemeClr val="tx1"/>
                   </a:solidFill>
@@ -2845,7 +2845,7 @@
                 <a:t>、</a:t>
               </a:r>
               <a:r>
-                <a:rPr kumimoji="1" sz="2400" kern="1200" dirty="0" smtClean="0">
+                <a:rPr kumimoji="1" sz="2000" kern="1200" dirty="0" smtClean="0">
                   <a:solidFill>
                     <a:schemeClr val="tx1"/>
                   </a:solidFill>
@@ -2855,7 +2855,7 @@
                 <a:t>ブラウザでページを見るときに作られるもので</a:t>
               </a:r>
               <a:r>
-                <a:rPr kumimoji="1" sz="2400" kern="1200" dirty="0">
+                <a:rPr kumimoji="1" sz="2000" kern="1200" dirty="0">
                   <a:solidFill>
                     <a:schemeClr val="tx1"/>
                   </a:solidFill>
@@ -2865,7 +2865,7 @@
                 <a:t>、</a:t>
               </a:r>
               <a:r>
-                <a:rPr kumimoji="1" sz="2400" kern="1200" dirty="0" smtClean="0">
+                <a:rPr kumimoji="1" sz="2000" kern="1200" dirty="0" smtClean="0">
                   <a:solidFill>
                     <a:schemeClr val="tx1"/>
                   </a:solidFill>
@@ -2875,7 +2875,7 @@
                 <a:t>これを</a:t>
               </a:r>
               <a:r>
-                <a:rPr kumimoji="1" lang="ja-JP" altLang="en-US" sz="2400" kern="1200" dirty="0" smtClean="0">
+                <a:rPr kumimoji="1" lang="ja-JP" altLang="en-US" sz="2000" kern="1200" dirty="0" smtClean="0">
                   <a:solidFill>
                     <a:schemeClr val="tx1"/>
                   </a:solidFill>
@@ -2885,7 +2885,7 @@
                 <a:t>も</a:t>
               </a:r>
               <a:r>
-                <a:rPr kumimoji="1" lang="ja-JP" altLang="en-US" sz="2400" kern="1200" dirty="0">
+                <a:rPr kumimoji="1" lang="ja-JP" altLang="en-US" sz="2000" kern="1200" dirty="0">
                   <a:solidFill>
                     <a:schemeClr val="tx1"/>
                   </a:solidFill>
@@ -2895,7 +2895,7 @@
                 <a:t>と</a:t>
               </a:r>
               <a:r>
-                <a:rPr kumimoji="1" sz="2400" kern="1200" dirty="0" smtClean="0">
+                <a:rPr kumimoji="1" sz="2000" kern="1200" dirty="0" smtClean="0">
                   <a:solidFill>
                     <a:schemeClr val="tx1"/>
                   </a:solidFill>
@@ -2905,7 +2905,7 @@
                 <a:t>にレンダリング</a:t>
               </a:r>
               <a:r>
-                <a:rPr kumimoji="1" lang="ja-JP" altLang="en-US" sz="2400" kern="1200" dirty="0" smtClean="0">
+                <a:rPr kumimoji="1" lang="ja-JP" altLang="en-US" sz="2000" kern="1200" dirty="0" smtClean="0">
                   <a:solidFill>
                     <a:schemeClr val="tx1"/>
                   </a:solidFill>
@@ -2915,7 +2915,7 @@
                 <a:t>が行われます</a:t>
               </a:r>
               <a:r>
-                <a:rPr kumimoji="1" sz="2400" kern="1200" dirty="0" smtClean="0">
+                <a:rPr kumimoji="1" sz="2000" kern="1200" dirty="0" smtClean="0">
                   <a:solidFill>
                     <a:schemeClr val="tx1"/>
                   </a:solidFill>
@@ -2924,7 +2924,7 @@
                 </a:rPr>
                 <a:t>。</a:t>
               </a:r>
-              <a:endParaRPr kumimoji="1" sz="2400" kern="1200" dirty="0">
+              <a:endParaRPr kumimoji="1" sz="2000" kern="1200" dirty="0">
                 <a:solidFill>
                   <a:schemeClr val="tx1"/>
                 </a:solidFill>
@@ -2948,7 +2948,7 @@
                 </a:defRPr>
               </a:pPr>
               <a:r>
-                <a:rPr kumimoji="1" sz="2400" kern="1200" dirty="0" smtClean="0">
+                <a:rPr kumimoji="1" sz="2000" kern="1200" dirty="0" smtClean="0">
                   <a:solidFill>
                     <a:schemeClr val="tx1"/>
                   </a:solidFill>
@@ -2958,7 +2958,7 @@
                 <a:t>HTML</a:t>
               </a:r>
               <a:r>
-                <a:rPr kumimoji="1" lang="ja-JP" altLang="en-US" sz="2400" kern="1200" dirty="0" smtClean="0">
+                <a:rPr kumimoji="1" lang="ja-JP" altLang="en-US" sz="2000" kern="1200" dirty="0" smtClean="0">
                   <a:solidFill>
                     <a:schemeClr val="tx1"/>
                   </a:solidFill>
@@ -2968,7 +2968,7 @@
                 <a:t>文書</a:t>
               </a:r>
               <a:r>
-                <a:rPr kumimoji="1" sz="2400" kern="1200" dirty="0" smtClean="0">
+                <a:rPr kumimoji="1" sz="2000" kern="1200" dirty="0" smtClean="0">
                   <a:solidFill>
                     <a:schemeClr val="tx1"/>
                   </a:solidFill>
@@ -2978,7 +2978,7 @@
                 <a:t>や</a:t>
               </a:r>
               <a:r>
-                <a:rPr kumimoji="1" sz="2400" kern="1200" dirty="0">
+                <a:rPr kumimoji="1" sz="2000" kern="1200" dirty="0">
                   <a:solidFill>
                     <a:schemeClr val="tx1"/>
                   </a:solidFill>
@@ -3010,7 +3010,7 @@
           </a:ln>
           <a:extLst>
             <a:ext uri="{C572A759-6A51-4108-AA02-DFA0A04FC94B}">
-              <ma14:wrappingTextBoxFlag xmlns="" xmlns:ma14="http://schemas.microsoft.com/office/mac/drawingml/2011/main" val="1"/>
+              <ma14:wrappingTextBoxFlag xmlns:ma14="http://schemas.microsoft.com/office/mac/drawingml/2011/main" xmlns="" val="1"/>
             </a:ext>
           </a:extLst>
         </p:spPr>
@@ -3468,7 +3468,7 @@
           </a:ln>
           <a:extLst>
             <a:ext uri="{C572A759-6A51-4108-AA02-DFA0A04FC94B}">
-              <ma14:wrappingTextBoxFlag xmlns:ma14="http://schemas.microsoft.com/office/mac/drawingml/2011/main" xmlns="" val="1"/>
+              <ma14:wrappingTextBoxFlag xmlns="" xmlns:ma14="http://schemas.microsoft.com/office/mac/drawingml/2011/main" val="1"/>
             </a:ext>
           </a:extLst>
         </p:spPr>
@@ -5016,7 +5016,7 @@
           </a:ln>
           <a:extLst>
             <a:ext uri="{C572A759-6A51-4108-AA02-DFA0A04FC94B}">
-              <ma14:wrappingTextBoxFlag xmlns:ma14="http://schemas.microsoft.com/office/mac/drawingml/2011/main" xmlns="" val="1"/>
+              <ma14:wrappingTextBoxFlag xmlns="" xmlns:ma14="http://schemas.microsoft.com/office/mac/drawingml/2011/main" val="1"/>
             </a:ext>
           </a:extLst>
         </p:spPr>
@@ -5072,7 +5072,7 @@
           </a:ln>
           <a:extLst>
             <a:ext uri="{C572A759-6A51-4108-AA02-DFA0A04FC94B}">
-              <ma14:wrappingTextBoxFlag xmlns:ma14="http://schemas.microsoft.com/office/mac/drawingml/2011/main" xmlns="" val="1"/>
+              <ma14:wrappingTextBoxFlag xmlns="" xmlns:ma14="http://schemas.microsoft.com/office/mac/drawingml/2011/main" val="1"/>
             </a:ext>
           </a:extLst>
         </p:spPr>
@@ -5121,7 +5121,7 @@
           </a:ln>
           <a:extLst>
             <a:ext uri="{C572A759-6A51-4108-AA02-DFA0A04FC94B}">
-              <ma14:wrappingTextBoxFlag xmlns:ma14="http://schemas.microsoft.com/office/mac/drawingml/2011/main" xmlns="" val="1"/>
+              <ma14:wrappingTextBoxFlag xmlns="" xmlns:ma14="http://schemas.microsoft.com/office/mac/drawingml/2011/main" val="1"/>
             </a:ext>
           </a:extLst>
         </p:spPr>
@@ -5169,7 +5169,7 @@
           </a:ln>
           <a:extLst>
             <a:ext uri="{C572A759-6A51-4108-AA02-DFA0A04FC94B}">
-              <ma14:wrappingTextBoxFlag xmlns:ma14="http://schemas.microsoft.com/office/mac/drawingml/2011/main" xmlns="" val="1"/>
+              <ma14:wrappingTextBoxFlag xmlns="" xmlns:ma14="http://schemas.microsoft.com/office/mac/drawingml/2011/main" val="1"/>
             </a:ext>
           </a:extLst>
         </p:spPr>
@@ -5281,7 +5281,7 @@
           </a:ln>
           <a:extLst>
             <a:ext uri="{C572A759-6A51-4108-AA02-DFA0A04FC94B}">
-              <ma14:wrappingTextBoxFlag xmlns:ma14="http://schemas.microsoft.com/office/mac/drawingml/2011/main" xmlns="" val="1"/>
+              <ma14:wrappingTextBoxFlag xmlns="" xmlns:ma14="http://schemas.microsoft.com/office/mac/drawingml/2011/main" val="1"/>
             </a:ext>
           </a:extLst>
         </p:spPr>
@@ -5534,10 +5534,10 @@
         </p:nvGrpSpPr>
         <p:grpSpPr>
           <a:xfrm>
-            <a:off x="440919" y="1157657"/>
-            <a:ext cx="11340775" cy="885367"/>
-            <a:chOff x="-26029" y="-6974"/>
-            <a:chExt cx="11190960" cy="885365"/>
+            <a:off x="440919" y="1164631"/>
+            <a:ext cx="11340775" cy="871419"/>
+            <a:chOff x="-26029" y="0"/>
+            <a:chExt cx="11190960" cy="871417"/>
           </a:xfrm>
         </p:grpSpPr>
         <p:sp>
@@ -5581,7 +5581,7 @@
                 </a:spcBef>
                 <a:defRPr sz="2000"/>
               </a:pPr>
-              <a:endParaRPr/>
+              <a:endParaRPr sz="2000"/>
             </a:p>
           </p:txBody>
         </p:sp>
@@ -5593,8 +5593,8 @@
           </p:nvSpPr>
           <p:spPr>
             <a:xfrm>
-              <a:off x="-26029" y="-6974"/>
-              <a:ext cx="11164932" cy="885365"/>
+              <a:off x="-26029" y="48426"/>
+              <a:ext cx="11164932" cy="774565"/>
             </a:xfrm>
             <a:prstGeom prst="rect">
               <a:avLst/>
@@ -5607,7 +5607,7 @@
             <a:effectLst/>
             <a:extLst>
               <a:ext uri="{C572A759-6A51-4108-AA02-DFA0A04FC94B}">
-                <ma14:wrappingTextBoxFlag xmlns="" xmlns:ma14="http://schemas.microsoft.com/office/mac/drawingml/2011/main" val="1"/>
+                <ma14:wrappingTextBoxFlag xmlns:ma14="http://schemas.microsoft.com/office/mac/drawingml/2011/main" xmlns="" val="1"/>
               </a:ext>
             </a:extLst>
           </p:spPr>
@@ -5632,7 +5632,7 @@
                 </a:defRPr>
               </a:pPr>
               <a:r>
-                <a:rPr kumimoji="1" lang="en-US" altLang="ja-JP" sz="2400" kern="1200" dirty="0">
+                <a:rPr kumimoji="1" lang="en-US" altLang="ja-JP" sz="2000" kern="1200" dirty="0">
                   <a:solidFill>
                     <a:schemeClr val="tx1"/>
                   </a:solidFill>
@@ -5642,7 +5642,7 @@
                 <a:t>DOM</a:t>
               </a:r>
               <a:r>
-                <a:rPr kumimoji="1" lang="ja-JP" altLang="en-US" sz="2400" kern="1200" dirty="0">
+                <a:rPr kumimoji="1" lang="ja-JP" altLang="en-US" sz="2000" kern="1200" dirty="0">
                   <a:solidFill>
                     <a:schemeClr val="tx1"/>
                   </a:solidFill>
@@ -5668,7 +5668,7 @@
                 </a:defRPr>
               </a:pPr>
               <a:r>
-                <a:rPr kumimoji="1" lang="ja-JP" altLang="en-US" sz="2400" kern="1200" dirty="0">
+                <a:rPr kumimoji="1" lang="ja-JP" altLang="en-US" sz="2000" kern="1200" dirty="0">
                   <a:solidFill>
                     <a:schemeClr val="tx1"/>
                   </a:solidFill>
@@ -5678,7 +5678,7 @@
                 <a:t>ノード</a:t>
               </a:r>
               <a:r>
-                <a:rPr kumimoji="1" lang="en-US" altLang="ja-JP" sz="2400" kern="1200" dirty="0">
+                <a:rPr kumimoji="1" lang="en-US" altLang="ja-JP" sz="2000" kern="1200" dirty="0">
                   <a:solidFill>
                     <a:schemeClr val="tx1"/>
                   </a:solidFill>
@@ -5688,7 +5688,7 @@
                 <a:t>(</a:t>
               </a:r>
               <a:r>
-                <a:rPr kumimoji="1" lang="ja-JP" altLang="en-US" sz="2400" kern="1200" dirty="0">
+                <a:rPr kumimoji="1" lang="ja-JP" altLang="en-US" sz="2000" kern="1200" dirty="0">
                   <a:solidFill>
                     <a:schemeClr val="tx1"/>
                   </a:solidFill>
@@ -5698,7 +5698,7 @@
                 <a:t>要素</a:t>
               </a:r>
               <a:r>
-                <a:rPr kumimoji="1" lang="en-US" altLang="ja-JP" sz="2400" kern="1200" dirty="0">
+                <a:rPr kumimoji="1" lang="en-US" altLang="ja-JP" sz="2000" kern="1200" dirty="0">
                   <a:solidFill>
                     <a:schemeClr val="tx1"/>
                   </a:solidFill>
@@ -5708,7 +5708,7 @@
                 <a:t>)</a:t>
               </a:r>
               <a:r>
-                <a:rPr kumimoji="1" lang="ja-JP" altLang="en-US" sz="2400" kern="1200" dirty="0">
+                <a:rPr kumimoji="1" lang="ja-JP" altLang="en-US" sz="2000" kern="1200" dirty="0">
                   <a:solidFill>
                     <a:schemeClr val="tx1"/>
                   </a:solidFill>
@@ -5718,7 +5718,7 @@
                 <a:t>にアクセスするということです。これを</a:t>
               </a:r>
               <a:r>
-                <a:rPr kumimoji="1" lang="en-US" altLang="ja-JP" sz="2400" kern="1200" dirty="0">
+                <a:rPr kumimoji="1" lang="en-US" altLang="ja-JP" sz="2000" kern="1200" dirty="0">
                   <a:solidFill>
                     <a:schemeClr val="tx1"/>
                   </a:solidFill>
@@ -5728,7 +5728,7 @@
                 <a:t>DOM</a:t>
               </a:r>
               <a:r>
-                <a:rPr kumimoji="1" lang="ja-JP" altLang="en-US" sz="2400" kern="1200" dirty="0">
+                <a:rPr kumimoji="1" lang="ja-JP" altLang="en-US" sz="2000" kern="1200" dirty="0">
                   <a:solidFill>
                     <a:schemeClr val="tx1"/>
                   </a:solidFill>
@@ -5738,7 +5738,7 @@
                 <a:t>操作と言います</a:t>
               </a:r>
               <a:r>
-                <a:rPr kumimoji="1" lang="ja-JP" altLang="en-US" sz="2400" kern="1200" dirty="0" smtClean="0">
+                <a:rPr kumimoji="1" lang="ja-JP" altLang="en-US" sz="2000" kern="1200" dirty="0" smtClean="0">
                   <a:solidFill>
                     <a:schemeClr val="tx1"/>
                   </a:solidFill>
@@ -5747,7 +5747,7 @@
                 </a:rPr>
                 <a:t>。</a:t>
               </a:r>
-              <a:endParaRPr kumimoji="1" lang="ja-JP" altLang="en-US" sz="2400" kern="1200" dirty="0">
+              <a:endParaRPr kumimoji="1" lang="ja-JP" altLang="en-US" sz="2000" kern="1200" dirty="0">
                 <a:solidFill>
                   <a:schemeClr val="tx1"/>
                 </a:solidFill>
@@ -6338,7 +6338,7 @@
           <a:effectLst/>
           <a:extLst>
             <a:ext uri="{C572A759-6A51-4108-AA02-DFA0A04FC94B}">
-              <ma14:wrappingTextBoxFlag xmlns="" xmlns:ma14="http://schemas.microsoft.com/office/mac/drawingml/2011/main" val="1"/>
+              <ma14:wrappingTextBoxFlag xmlns:ma14="http://schemas.microsoft.com/office/mac/drawingml/2011/main" xmlns="" val="1"/>
             </a:ext>
           </a:extLst>
         </p:spPr>
@@ -6417,18 +6417,18 @@
                 <a:defRPr sz="2000"/>
               </a:pPr>
               <a:r>
-                <a:rPr lang="ja-JP" altLang="en-US" sz="2400" dirty="0" smtClean="0"/>
+                <a:rPr lang="ja-JP" altLang="en-US" sz="2000" dirty="0" smtClean="0"/>
                 <a:t>従来のレンダリングでは、新しい情報をもとに毎回</a:t>
               </a:r>
               <a:r>
-                <a:rPr lang="en-US" altLang="ja-JP" sz="2400" dirty="0" smtClean="0"/>
+                <a:rPr lang="en-US" altLang="ja-JP" sz="2000" dirty="0" smtClean="0"/>
                 <a:t>DOM</a:t>
               </a:r>
               <a:r>
-                <a:rPr lang="ja-JP" altLang="en-US" sz="2400" dirty="0" smtClean="0"/>
+                <a:rPr lang="ja-JP" altLang="en-US" sz="2000" dirty="0" smtClean="0"/>
                 <a:t>をいちから作成します。</a:t>
               </a:r>
-              <a:endParaRPr lang="en-US" altLang="ja-JP" sz="2400" dirty="0" smtClean="0"/>
+              <a:endParaRPr lang="en-US" altLang="ja-JP" sz="2000" dirty="0" smtClean="0"/>
             </a:p>
             <a:p>
               <a:pPr>
@@ -6441,30 +6441,30 @@
                 <a:defRPr sz="2000"/>
               </a:pPr>
               <a:r>
-                <a:rPr lang="en-US" sz="2400" dirty="0" smtClean="0"/>
+                <a:rPr lang="en-US" sz="2000" dirty="0" smtClean="0"/>
                 <a:t>React</a:t>
               </a:r>
               <a:r>
-                <a:rPr lang="ja-JP" altLang="en-US" sz="2400" dirty="0" smtClean="0"/>
+                <a:rPr lang="ja-JP" altLang="en-US" sz="2000" dirty="0" smtClean="0"/>
                 <a:t>を利用した場合では、仮想</a:t>
               </a:r>
               <a:r>
-                <a:rPr lang="en-US" altLang="ja-JP" sz="2400" dirty="0" smtClean="0"/>
+                <a:rPr lang="en-US" altLang="ja-JP" sz="2000" dirty="0" smtClean="0"/>
                 <a:t>DOM</a:t>
               </a:r>
               <a:r>
-                <a:rPr lang="ja-JP" altLang="en-US" sz="2400" dirty="0" smtClean="0"/>
+                <a:rPr lang="ja-JP" altLang="en-US" sz="2000" dirty="0" smtClean="0"/>
                 <a:t>を作成した後、実</a:t>
               </a:r>
               <a:r>
-                <a:rPr lang="en-US" altLang="ja-JP" sz="2400" dirty="0" smtClean="0"/>
+                <a:rPr lang="en-US" altLang="ja-JP" sz="2000" dirty="0" smtClean="0"/>
                 <a:t>DOM</a:t>
               </a:r>
               <a:r>
-                <a:rPr lang="ja-JP" altLang="en-US" sz="2400" dirty="0" smtClean="0"/>
+                <a:rPr lang="ja-JP" altLang="en-US" sz="2000" dirty="0" smtClean="0"/>
                 <a:t>に反映させます。</a:t>
               </a:r>
-              <a:endParaRPr sz="2400" dirty="0"/>
+              <a:endParaRPr sz="2000" dirty="0"/>
             </a:p>
           </p:txBody>
         </p:sp>
@@ -6476,8 +6476,8 @@
           </p:nvSpPr>
           <p:spPr>
             <a:xfrm>
-              <a:off x="-1" y="223343"/>
-              <a:ext cx="11164932" cy="424727"/>
+              <a:off x="-1" y="251043"/>
+              <a:ext cx="11164932" cy="369327"/>
             </a:xfrm>
             <a:prstGeom prst="rect">
               <a:avLst/>
@@ -6490,7 +6490,7 @@
             <a:effectLst/>
             <a:extLst>
               <a:ext uri="{C572A759-6A51-4108-AA02-DFA0A04FC94B}">
-                <ma14:wrappingTextBoxFlag xmlns="" xmlns:ma14="http://schemas.microsoft.com/office/mac/drawingml/2011/main" val="1"/>
+                <ma14:wrappingTextBoxFlag xmlns:ma14="http://schemas.microsoft.com/office/mac/drawingml/2011/main" xmlns="" val="1"/>
               </a:ext>
             </a:extLst>
           </p:spPr>
@@ -6514,7 +6514,7 @@
                   <a:sym typeface="ヒラギノ角ゴ ProN W3"/>
                 </a:defRPr>
               </a:pPr>
-              <a:endParaRPr kumimoji="1" sz="2400" kern="1200" dirty="0">
+              <a:endParaRPr kumimoji="1" sz="2000" kern="1200" dirty="0">
                 <a:solidFill>
                   <a:schemeClr val="tx1"/>
                 </a:solidFill>
@@ -8221,86 +8221,86 @@
               <a:buNone/>
             </a:pPr>
             <a:r>
-              <a:rPr lang="en-US" altLang="ja-JP" sz="2400" dirty="0"/>
+              <a:rPr lang="en-US" altLang="ja-JP" dirty="0"/>
               <a:t>React</a:t>
             </a:r>
             <a:r>
-              <a:rPr lang="ja-JP" altLang="en-US" sz="2400" dirty="0"/>
+              <a:rPr lang="ja-JP" altLang="en-US" dirty="0"/>
               <a:t>で</a:t>
             </a:r>
             <a:r>
-              <a:rPr lang="ja-JP" altLang="en-US" sz="2400" dirty="0" smtClean="0"/>
+              <a:rPr lang="ja-JP" altLang="en-US" dirty="0" smtClean="0"/>
               <a:t>は、ページ表示時に実</a:t>
             </a:r>
             <a:r>
-              <a:rPr lang="en-US" altLang="ja-JP" sz="2400" dirty="0" smtClean="0"/>
+              <a:rPr lang="en-US" altLang="ja-JP" dirty="0" smtClean="0"/>
               <a:t>DOM</a:t>
             </a:r>
             <a:r>
-              <a:rPr lang="ja-JP" altLang="en-US" sz="2400" dirty="0"/>
+              <a:rPr lang="ja-JP" altLang="en-US" dirty="0"/>
               <a:t>と対構造と</a:t>
             </a:r>
             <a:r>
-              <a:rPr lang="ja-JP" altLang="en-US" sz="2400" dirty="0" smtClean="0"/>
+              <a:rPr lang="ja-JP" altLang="en-US" dirty="0" smtClean="0"/>
               <a:t>なる仮想</a:t>
             </a:r>
             <a:r>
-              <a:rPr lang="en-US" altLang="ja-JP" sz="2400" dirty="0" smtClean="0"/>
+              <a:rPr lang="en-US" altLang="ja-JP" dirty="0" smtClean="0"/>
               <a:t>DOM</a:t>
             </a:r>
             <a:r>
-              <a:rPr lang="ja-JP" altLang="en-US" sz="2400" dirty="0"/>
+              <a:rPr lang="ja-JP" altLang="en-US" dirty="0"/>
               <a:t>を定義</a:t>
             </a:r>
             <a:r>
-              <a:rPr lang="ja-JP" altLang="en-US" sz="2400" dirty="0" smtClean="0"/>
+              <a:rPr lang="ja-JP" altLang="en-US" dirty="0" smtClean="0"/>
               <a:t>し、</a:t>
             </a:r>
-            <a:endParaRPr lang="en-US" altLang="ja-JP" sz="2400" dirty="0" smtClean="0"/>
+            <a:endParaRPr lang="en-US" altLang="ja-JP" dirty="0" smtClean="0"/>
           </a:p>
           <a:p>
             <a:pPr marL="0" indent="0">
               <a:buNone/>
             </a:pPr>
             <a:r>
-              <a:rPr lang="ja-JP" altLang="en-US" sz="2400" dirty="0" smtClean="0"/>
+              <a:rPr lang="ja-JP" altLang="en-US" dirty="0" smtClean="0"/>
               <a:t>差分比較を行います。そして、実</a:t>
             </a:r>
             <a:r>
-              <a:rPr lang="en-US" altLang="ja-JP" sz="2400" dirty="0" smtClean="0"/>
+              <a:rPr lang="en-US" altLang="ja-JP" dirty="0" smtClean="0"/>
               <a:t>DOM</a:t>
             </a:r>
             <a:r>
-              <a:rPr lang="ja-JP" altLang="en-US" sz="2400" dirty="0" smtClean="0"/>
+              <a:rPr lang="ja-JP" altLang="en-US" dirty="0" smtClean="0"/>
               <a:t>ではその差分となった箇所を</a:t>
             </a:r>
             <a:r>
-              <a:rPr lang="ja-JP" altLang="en-US" sz="2400" dirty="0"/>
+              <a:rPr lang="ja-JP" altLang="en-US" dirty="0"/>
               <a:t>更新</a:t>
             </a:r>
             <a:r>
-              <a:rPr lang="ja-JP" altLang="en-US" sz="2400" dirty="0" smtClean="0"/>
+              <a:rPr lang="ja-JP" altLang="en-US" dirty="0" smtClean="0"/>
               <a:t>します。</a:t>
             </a:r>
-            <a:endParaRPr lang="en-US" altLang="ja-JP" sz="2400" dirty="0" smtClean="0"/>
+            <a:endParaRPr lang="en-US" altLang="ja-JP" dirty="0" smtClean="0"/>
           </a:p>
           <a:p>
             <a:pPr marL="0" indent="0">
               <a:buNone/>
             </a:pPr>
             <a:r>
-              <a:rPr lang="ja-JP" altLang="en-US" sz="2400" dirty="0" smtClean="0"/>
+              <a:rPr lang="ja-JP" altLang="en-US" dirty="0" smtClean="0"/>
               <a:t>これにより、</a:t>
             </a:r>
             <a:r>
-              <a:rPr lang="en-US" altLang="ja-JP" sz="2400" dirty="0" smtClean="0"/>
+              <a:rPr lang="en-US" altLang="ja-JP" dirty="0" smtClean="0"/>
               <a:t>DOM</a:t>
             </a:r>
             <a:r>
-              <a:rPr lang="ja-JP" altLang="en-US" sz="2400" dirty="0" smtClean="0"/>
+              <a:rPr lang="ja-JP" altLang="en-US" dirty="0" smtClean="0"/>
               <a:t>操作が最小限となり、ページの表示速度を早めることができます。</a:t>
             </a:r>
-            <a:endParaRPr lang="en-US" altLang="ja-JP" sz="2400" dirty="0" smtClean="0"/>
+            <a:endParaRPr lang="en-US" altLang="ja-JP" dirty="0" smtClean="0"/>
           </a:p>
         </p:txBody>
       </p:sp>
@@ -10634,60 +10634,60 @@
               <a:buNone/>
             </a:pPr>
             <a:r>
-              <a:rPr lang="ja-JP" altLang="en-US" sz="2400" dirty="0" smtClean="0"/>
+              <a:rPr lang="ja-JP" altLang="en-US" dirty="0" smtClean="0"/>
               <a:t>プログラムでの仮想</a:t>
             </a:r>
             <a:r>
-              <a:rPr lang="en-US" altLang="ja-JP" sz="2400" dirty="0" smtClean="0"/>
+              <a:rPr lang="en-US" altLang="ja-JP" dirty="0" smtClean="0"/>
               <a:t>DOM</a:t>
             </a:r>
             <a:r>
-              <a:rPr lang="ja-JP" altLang="en-US" sz="2400" dirty="0" smtClean="0"/>
+              <a:rPr lang="ja-JP" altLang="en-US" dirty="0" smtClean="0"/>
               <a:t>及び実</a:t>
             </a:r>
             <a:r>
-              <a:rPr lang="en-US" altLang="ja-JP" sz="2400" dirty="0" smtClean="0"/>
+              <a:rPr lang="en-US" altLang="ja-JP" dirty="0" smtClean="0"/>
               <a:t>DOM</a:t>
             </a:r>
             <a:r>
-              <a:rPr lang="ja-JP" altLang="en-US" sz="2400" dirty="0" smtClean="0"/>
+              <a:rPr lang="ja-JP" altLang="en-US" dirty="0" smtClean="0"/>
               <a:t>は、</a:t>
             </a:r>
             <a:r>
-              <a:rPr lang="en-US" altLang="ja-JP" sz="2400" dirty="0" smtClean="0"/>
+              <a:rPr lang="en-US" altLang="ja-JP" dirty="0" smtClean="0"/>
               <a:t>ReactDom.render</a:t>
             </a:r>
             <a:r>
-              <a:rPr lang="ja-JP" altLang="en-US" sz="2400" dirty="0" smtClean="0"/>
+              <a:rPr lang="ja-JP" altLang="en-US" dirty="0" smtClean="0"/>
               <a:t>を使用する際に出てきます。</a:t>
             </a:r>
-            <a:endParaRPr lang="en-US" altLang="ja-JP" sz="2400" dirty="0" smtClean="0"/>
+            <a:endParaRPr lang="en-US" altLang="ja-JP" dirty="0" smtClean="0"/>
           </a:p>
           <a:p>
             <a:pPr marL="0" indent="0">
               <a:buNone/>
             </a:pPr>
             <a:r>
-              <a:rPr lang="ja-JP" altLang="en-US" sz="2400" dirty="0" smtClean="0"/>
+              <a:rPr lang="ja-JP" altLang="en-US" dirty="0" smtClean="0"/>
               <a:t>本関数を使用することで、仮想</a:t>
             </a:r>
             <a:r>
-              <a:rPr lang="en-US" altLang="ja-JP" sz="2400" dirty="0" smtClean="0"/>
+              <a:rPr lang="en-US" altLang="ja-JP" dirty="0" smtClean="0"/>
               <a:t>DOM</a:t>
             </a:r>
             <a:r>
-              <a:rPr lang="ja-JP" altLang="en-US" sz="2400" dirty="0" smtClean="0"/>
+              <a:rPr lang="ja-JP" altLang="en-US" dirty="0" smtClean="0"/>
               <a:t>の内容を実</a:t>
             </a:r>
             <a:r>
-              <a:rPr lang="en-US" altLang="ja-JP" sz="2400" dirty="0" smtClean="0"/>
+              <a:rPr lang="en-US" altLang="ja-JP" dirty="0" smtClean="0"/>
               <a:t>DOM</a:t>
             </a:r>
             <a:r>
-              <a:rPr lang="ja-JP" altLang="en-US" sz="2400" dirty="0" smtClean="0"/>
+              <a:rPr lang="ja-JP" altLang="en-US" dirty="0" smtClean="0"/>
               <a:t>に反映させます。</a:t>
             </a:r>
-            <a:endParaRPr lang="en-US" altLang="ja-JP" sz="2400" dirty="0" smtClean="0"/>
+            <a:endParaRPr lang="en-US" altLang="ja-JP" dirty="0" smtClean="0"/>
           </a:p>
         </p:txBody>
       </p:sp>
@@ -11774,19 +11774,19 @@
               <a:buNone/>
             </a:pPr>
             <a:r>
-              <a:rPr lang="en-US" altLang="ja-JP" sz="2400" dirty="0"/>
+              <a:rPr lang="en-US" altLang="ja-JP" dirty="0"/>
               <a:t>React</a:t>
             </a:r>
             <a:r>
-              <a:rPr lang="ja-JP" altLang="en-US" sz="2400" dirty="0"/>
+              <a:rPr lang="ja-JP" altLang="en-US" dirty="0"/>
               <a:t>の特徴として、仮想</a:t>
             </a:r>
             <a:r>
-              <a:rPr lang="en-US" altLang="ja-JP" sz="2400" dirty="0"/>
+              <a:rPr lang="en-US" altLang="ja-JP" dirty="0"/>
               <a:t>DOM</a:t>
             </a:r>
             <a:r>
-              <a:rPr lang="ja-JP" altLang="en-US" sz="2400" dirty="0"/>
+              <a:rPr lang="ja-JP" altLang="en-US" dirty="0"/>
               <a:t>を説明しましたが</a:t>
             </a:r>
           </a:p>
@@ -11795,15 +11795,15 @@
               <a:buNone/>
             </a:pPr>
             <a:r>
-              <a:rPr lang="ja-JP" altLang="en-US" sz="2400" dirty="0"/>
+              <a:rPr lang="ja-JP" altLang="en-US" dirty="0"/>
               <a:t>開発をしていく上では開発者は仮想</a:t>
             </a:r>
             <a:r>
-              <a:rPr lang="en-US" altLang="ja-JP" sz="2400" dirty="0"/>
+              <a:rPr lang="en-US" altLang="ja-JP" dirty="0"/>
               <a:t>DOM</a:t>
             </a:r>
             <a:r>
-              <a:rPr lang="ja-JP" altLang="en-US" sz="2400" dirty="0"/>
+              <a:rPr lang="ja-JP" altLang="en-US" dirty="0"/>
               <a:t>を意識する必要はあまりありません。</a:t>
             </a:r>
           </a:p>
@@ -11812,15 +11812,15 @@
               <a:buNone/>
             </a:pPr>
             <a:r>
-              <a:rPr lang="ja-JP" altLang="en-US" sz="2400" dirty="0"/>
+              <a:rPr lang="ja-JP" altLang="en-US" dirty="0"/>
               <a:t>ですが、</a:t>
             </a:r>
             <a:r>
-              <a:rPr lang="en-US" altLang="ja-JP" sz="2400" dirty="0"/>
+              <a:rPr lang="en-US" altLang="ja-JP" dirty="0"/>
               <a:t>React</a:t>
             </a:r>
             <a:r>
-              <a:rPr lang="ja-JP" altLang="en-US" sz="2400" dirty="0"/>
+              <a:rPr lang="ja-JP" altLang="en-US" dirty="0"/>
               <a:t>では裏でこんなことが行われているということを理解しておきましょう。</a:t>
             </a:r>
           </a:p>
